--- a/docs/project_report/Student_Grade_Prediction_Presentation.pptx
+++ b/docs/project_report/Student_Grade_Prediction_Presentation.pptx
@@ -20,7 +20,8 @@
     <p:sldId id="268" r:id="rId14"/>
     <p:sldId id="269" r:id="rId15"/>
     <p:sldId id="270" r:id="rId16"/>
-    <p:sldId id="271" r:id="rId17"/>
+    <p:sldId id="272" r:id="rId17"/>
+    <p:sldId id="271" r:id="rId18"/>
   </p:sldIdLst>
   <p:sldSz cx="9144000" cy="6858000" type="screen4x3"/>
   <p:notesSz cx="6858000" cy="9144000"/>
@@ -4394,6 +4395,99 @@
 <file path=ppt/slides/slide16.xml><?xml version="1.0" encoding="utf-8"?>
 <p:sld xmlns:a="http://schemas.openxmlformats.org/drawingml/2006/main" xmlns:r="http://schemas.openxmlformats.org/officeDocument/2006/relationships" xmlns:p="http://schemas.openxmlformats.org/presentationml/2006/main">
   <p:cSld>
+    <p:spTree>
+      <p:nvGrpSpPr>
+        <p:cNvPr id="1" name=""/>
+        <p:cNvGrpSpPr/>
+        <p:nvPr/>
+      </p:nvGrpSpPr>
+      <p:grpSpPr>
+        <a:xfrm>
+          <a:off x="0" y="0"/>
+          <a:ext cx="0" cy="0"/>
+          <a:chOff x="0" y="0"/>
+          <a:chExt cx="0" cy="0"/>
+        </a:xfrm>
+      </p:grpSpPr>
+      <p:sp>
+        <p:nvSpPr>
+          <p:cNvPr id="2" name="Title 1">
+            <a:extLst>
+              <a:ext uri="{FF2B5EF4-FFF2-40B4-BE49-F238E27FC236}">
+                <a16:creationId xmlns:a16="http://schemas.microsoft.com/office/drawing/2014/main" id="{4179A36F-E946-8B13-223B-1FF6EFB165EA}"/>
+              </a:ext>
+            </a:extLst>
+          </p:cNvPr>
+          <p:cNvSpPr>
+            <a:spLocks noGrp="1"/>
+          </p:cNvSpPr>
+          <p:nvPr>
+            <p:ph type="title"/>
+          </p:nvPr>
+        </p:nvSpPr>
+        <p:spPr/>
+        <p:txBody>
+          <a:bodyPr/>
+          <a:lstStyle/>
+          <a:p>
+            <a:r>
+              <a:rPr lang="en-US" b="1" dirty="0"/>
+              <a:t>Live Documentation</a:t>
+            </a:r>
+            <a:endParaRPr lang="en-US" dirty="0"/>
+          </a:p>
+        </p:txBody>
+      </p:sp>
+      <p:sp>
+        <p:nvSpPr>
+          <p:cNvPr id="3" name="Content Placeholder 2">
+            <a:extLst>
+              <a:ext uri="{FF2B5EF4-FFF2-40B4-BE49-F238E27FC236}">
+                <a16:creationId xmlns:a16="http://schemas.microsoft.com/office/drawing/2014/main" id="{4F71DBB0-37D8-7FE6-A3BF-9D2853BB9FA3}"/>
+              </a:ext>
+            </a:extLst>
+          </p:cNvPr>
+          <p:cNvSpPr>
+            <a:spLocks noGrp="1"/>
+          </p:cNvSpPr>
+          <p:nvPr>
+            <p:ph idx="1"/>
+          </p:nvPr>
+        </p:nvSpPr>
+        <p:spPr/>
+        <p:txBody>
+          <a:bodyPr/>
+          <a:lstStyle/>
+          <a:p>
+            <a:pPr marL="0" indent="0">
+              <a:buNone/>
+            </a:pPr>
+            <a:r>
+              <a:rPr lang="en-US" u="sng" dirty="0">
+                <a:hlinkClick r:id="rId2"/>
+              </a:rPr>
+              <a:t>https://benjaminbatte.github.io/student-grade-prediction/</a:t>
+            </a:r>
+            <a:endParaRPr lang="en-US" dirty="0"/>
+          </a:p>
+        </p:txBody>
+      </p:sp>
+    </p:spTree>
+    <p:extLst>
+      <p:ext uri="{BB962C8B-B14F-4D97-AF65-F5344CB8AC3E}">
+        <p14:creationId xmlns:p14="http://schemas.microsoft.com/office/powerpoint/2010/main" val="3917333349"/>
+      </p:ext>
+    </p:extLst>
+  </p:cSld>
+  <p:clrMapOvr>
+    <a:masterClrMapping/>
+  </p:clrMapOvr>
+</p:sld>
+</file>
+
+<file path=ppt/slides/slide17.xml><?xml version="1.0" encoding="utf-8"?>
+<p:sld xmlns:a="http://schemas.openxmlformats.org/drawingml/2006/main" xmlns:r="http://schemas.openxmlformats.org/officeDocument/2006/relationships" xmlns:p="http://schemas.openxmlformats.org/presentationml/2006/main">
+  <p:cSld>
     <p:bg>
       <p:bgPr>
         <a:solidFill>
@@ -4780,6 +4874,9 @@
           </a:bodyPr>
           <a:lstStyle/>
           <a:p>
+            <a:pPr marL="0" indent="0">
+              <a:buNone/>
+            </a:pPr>
             <a:endParaRPr lang="en-US" dirty="0"/>
           </a:p>
           <a:p>
